--- a/Presentation.pptx
+++ b/Presentation.pptx
@@ -5,7 +5,7 @@
     <p:sldMasterId id="2147483648" r:id="rId1"/>
   </p:sldMasterIdLst>
   <p:notesMasterIdLst>
-    <p:notesMasterId r:id="rId8"/>
+    <p:notesMasterId r:id="rId9"/>
   </p:notesMasterIdLst>
   <p:sldIdLst>
     <p:sldId id="256" r:id="rId2"/>
@@ -14,6 +14,7 @@
     <p:sldId id="259" r:id="rId5"/>
     <p:sldId id="260" r:id="rId6"/>
     <p:sldId id="261" r:id="rId7"/>
+    <p:sldId id="262" r:id="rId8"/>
   </p:sldIdLst>
   <p:sldSz cx="12192000" cy="6858000"/>
   <p:notesSz cx="6858000" cy="9144000"/>
@@ -112,6 +113,11 @@
       </a:defRPr>
     </a:lvl9pPr>
   </p:defaultTextStyle>
+  <p:extLst>
+    <p:ext uri="{EFAFB233-063F-42B5-8137-9DF3F51BA10A}">
+      <p15:sldGuideLst xmlns:p15="http://schemas.microsoft.com/office/powerpoint/2012/main"/>
+    </p:ext>
+  </p:extLst>
 </p:presentation>
 </file>
 
@@ -4352,6 +4358,130 @@
     <p:extLst>
       <p:ext uri="{BB962C8B-B14F-4D97-AF65-F5344CB8AC3E}">
         <p14:creationId xmlns:p14="http://schemas.microsoft.com/office/powerpoint/2010/main" val="4236729076"/>
+      </p:ext>
+    </p:extLst>
+  </p:cSld>
+  <p:clrMapOvr>
+    <a:masterClrMapping/>
+  </p:clrMapOvr>
+</p:sld>
+</file>
+
+<file path=ppt/slides/slide7.xml><?xml version="1.0" encoding="utf-8"?>
+<p:sld xmlns:a="http://schemas.openxmlformats.org/drawingml/2006/main" xmlns:r="http://schemas.openxmlformats.org/officeDocument/2006/relationships" xmlns:p="http://schemas.openxmlformats.org/presentationml/2006/main">
+  <p:cSld>
+    <p:spTree>
+      <p:nvGrpSpPr>
+        <p:cNvPr id="1" name=""/>
+        <p:cNvGrpSpPr/>
+        <p:nvPr/>
+      </p:nvGrpSpPr>
+      <p:grpSpPr>
+        <a:xfrm>
+          <a:off x="0" y="0"/>
+          <a:ext cx="0" cy="0"/>
+          <a:chOff x="0" y="0"/>
+          <a:chExt cx="0" cy="0"/>
+        </a:xfrm>
+      </p:grpSpPr>
+      <p:sp>
+        <p:nvSpPr>
+          <p:cNvPr id="2" name="Title 1">
+            <a:extLst>
+              <a:ext uri="{FF2B5EF4-FFF2-40B4-BE49-F238E27FC236}">
+                <a16:creationId xmlns:a16="http://schemas.microsoft.com/office/drawing/2014/main" id="{65B5AF04-33A3-A474-551E-75AE415B45DA}"/>
+              </a:ext>
+            </a:extLst>
+          </p:cNvPr>
+          <p:cNvSpPr>
+            <a:spLocks noGrp="1"/>
+          </p:cNvSpPr>
+          <p:nvPr>
+            <p:ph type="title"/>
+          </p:nvPr>
+        </p:nvSpPr>
+        <p:spPr/>
+        <p:txBody>
+          <a:bodyPr/>
+          <a:lstStyle/>
+          <a:p>
+            <a:r>
+              <a:rPr lang="en-US" b="1" dirty="0"/>
+              <a:t>Benefits of Implementing a CI/CD Pipeline</a:t>
+            </a:r>
+            <a:br>
+              <a:rPr lang="en-US" b="1" dirty="0"/>
+            </a:br>
+            <a:endParaRPr lang="en-US" dirty="0"/>
+          </a:p>
+        </p:txBody>
+      </p:sp>
+      <p:sp>
+        <p:nvSpPr>
+          <p:cNvPr id="3" name="Content Placeholder 2">
+            <a:extLst>
+              <a:ext uri="{FF2B5EF4-FFF2-40B4-BE49-F238E27FC236}">
+                <a16:creationId xmlns:a16="http://schemas.microsoft.com/office/drawing/2014/main" id="{1DC35DC7-7487-0864-DA93-124897F1FA53}"/>
+              </a:ext>
+            </a:extLst>
+          </p:cNvPr>
+          <p:cNvSpPr>
+            <a:spLocks noGrp="1"/>
+          </p:cNvSpPr>
+          <p:nvPr>
+            <p:ph idx="1"/>
+          </p:nvPr>
+        </p:nvSpPr>
+        <p:spPr/>
+        <p:txBody>
+          <a:bodyPr/>
+          <a:lstStyle/>
+          <a:p>
+            <a:r>
+              <a:rPr lang="en-US" b="1" dirty="0"/>
+              <a:t>1. Reduce risk</a:t>
+            </a:r>
+          </a:p>
+          <a:p>
+            <a:r>
+              <a:rPr lang="en-US" b="1" dirty="0"/>
+              <a:t>2. Deliver faster</a:t>
+            </a:r>
+          </a:p>
+          <a:p>
+            <a:r>
+              <a:rPr lang="en-US" b="1" dirty="0"/>
+              <a:t>3. Expend less manual effort</a:t>
+            </a:r>
+          </a:p>
+          <a:p>
+            <a:r>
+              <a:rPr lang="en-US" b="1" dirty="0"/>
+              <a:t>4. Generate extensive logs</a:t>
+            </a:r>
+          </a:p>
+          <a:p>
+            <a:r>
+              <a:rPr lang="en-US" b="1" dirty="0"/>
+              <a:t>5. </a:t>
+            </a:r>
+            <a:r>
+              <a:rPr lang="en-US" b="1"/>
+              <a:t>Make easier rollbacks</a:t>
+            </a:r>
+          </a:p>
+          <a:p>
+            <a:pPr marL="0" indent="0">
+              <a:buNone/>
+            </a:pPr>
+            <a:endParaRPr lang="en-US"/>
+          </a:p>
+        </p:txBody>
+      </p:sp>
+    </p:spTree>
+    <p:extLst>
+      <p:ext uri="{BB962C8B-B14F-4D97-AF65-F5344CB8AC3E}">
+        <p14:creationId xmlns:p14="http://schemas.microsoft.com/office/powerpoint/2010/main" val="2707125414"/>
       </p:ext>
     </p:extLst>
   </p:cSld>

--- a/Presentation.pptx
+++ b/Presentation.pptx
@@ -5,7 +5,7 @@
     <p:sldMasterId id="2147483648" r:id="rId1"/>
   </p:sldMasterIdLst>
   <p:notesMasterIdLst>
-    <p:notesMasterId r:id="rId9"/>
+    <p:notesMasterId r:id="rId13"/>
   </p:notesMasterIdLst>
   <p:sldIdLst>
     <p:sldId id="256" r:id="rId2"/>
@@ -15,6 +15,10 @@
     <p:sldId id="260" r:id="rId6"/>
     <p:sldId id="261" r:id="rId7"/>
     <p:sldId id="262" r:id="rId8"/>
+    <p:sldId id="263" r:id="rId9"/>
+    <p:sldId id="264" r:id="rId10"/>
+    <p:sldId id="265" r:id="rId11"/>
+    <p:sldId id="266" r:id="rId12"/>
   </p:sldIdLst>
   <p:sldSz cx="12192000" cy="6858000"/>
   <p:notesSz cx="6858000" cy="9144000"/>
@@ -203,7 +207,7 @@
           <a:p>
             <a:fld id="{5D2413EB-A90C-4E46-9F6B-AB87C01F6DB6}" type="datetimeFigureOut">
               <a:rPr lang="en-US" smtClean="0"/>
-              <a:t>11/26/2022</a:t>
+              <a:t>12/26/2022</a:t>
             </a:fld>
             <a:endParaRPr lang="en-US"/>
           </a:p>
@@ -701,7 +705,7 @@
           <a:p>
             <a:fld id="{04E1D7F8-8932-4BC2-BD95-8C6DEC1212D9}" type="datetimeFigureOut">
               <a:rPr lang="en-US" smtClean="0"/>
-              <a:t>11/26/2022</a:t>
+              <a:t>12/26/2022</a:t>
             </a:fld>
             <a:endParaRPr lang="en-US"/>
           </a:p>
@@ -899,7 +903,7 @@
           <a:p>
             <a:fld id="{04E1D7F8-8932-4BC2-BD95-8C6DEC1212D9}" type="datetimeFigureOut">
               <a:rPr lang="en-US" smtClean="0"/>
-              <a:t>11/26/2022</a:t>
+              <a:t>12/26/2022</a:t>
             </a:fld>
             <a:endParaRPr lang="en-US"/>
           </a:p>
@@ -1107,7 +1111,7 @@
           <a:p>
             <a:fld id="{04E1D7F8-8932-4BC2-BD95-8C6DEC1212D9}" type="datetimeFigureOut">
               <a:rPr lang="en-US" smtClean="0"/>
-              <a:t>11/26/2022</a:t>
+              <a:t>12/26/2022</a:t>
             </a:fld>
             <a:endParaRPr lang="en-US"/>
           </a:p>
@@ -1305,7 +1309,7 @@
           <a:p>
             <a:fld id="{04E1D7F8-8932-4BC2-BD95-8C6DEC1212D9}" type="datetimeFigureOut">
               <a:rPr lang="en-US" smtClean="0"/>
-              <a:t>11/26/2022</a:t>
+              <a:t>12/26/2022</a:t>
             </a:fld>
             <a:endParaRPr lang="en-US"/>
           </a:p>
@@ -1580,7 +1584,7 @@
           <a:p>
             <a:fld id="{04E1D7F8-8932-4BC2-BD95-8C6DEC1212D9}" type="datetimeFigureOut">
               <a:rPr lang="en-US" smtClean="0"/>
-              <a:t>11/26/2022</a:t>
+              <a:t>12/26/2022</a:t>
             </a:fld>
             <a:endParaRPr lang="en-US"/>
           </a:p>
@@ -1845,7 +1849,7 @@
           <a:p>
             <a:fld id="{04E1D7F8-8932-4BC2-BD95-8C6DEC1212D9}" type="datetimeFigureOut">
               <a:rPr lang="en-US" smtClean="0"/>
-              <a:t>11/26/2022</a:t>
+              <a:t>12/26/2022</a:t>
             </a:fld>
             <a:endParaRPr lang="en-US"/>
           </a:p>
@@ -2257,7 +2261,7 @@
           <a:p>
             <a:fld id="{04E1D7F8-8932-4BC2-BD95-8C6DEC1212D9}" type="datetimeFigureOut">
               <a:rPr lang="en-US" smtClean="0"/>
-              <a:t>11/26/2022</a:t>
+              <a:t>12/26/2022</a:t>
             </a:fld>
             <a:endParaRPr lang="en-US"/>
           </a:p>
@@ -2398,7 +2402,7 @@
           <a:p>
             <a:fld id="{04E1D7F8-8932-4BC2-BD95-8C6DEC1212D9}" type="datetimeFigureOut">
               <a:rPr lang="en-US" smtClean="0"/>
-              <a:t>11/26/2022</a:t>
+              <a:t>12/26/2022</a:t>
             </a:fld>
             <a:endParaRPr lang="en-US"/>
           </a:p>
@@ -2511,7 +2515,7 @@
           <a:p>
             <a:fld id="{04E1D7F8-8932-4BC2-BD95-8C6DEC1212D9}" type="datetimeFigureOut">
               <a:rPr lang="en-US" smtClean="0"/>
-              <a:t>11/26/2022</a:t>
+              <a:t>12/26/2022</a:t>
             </a:fld>
             <a:endParaRPr lang="en-US"/>
           </a:p>
@@ -2822,7 +2826,7 @@
           <a:p>
             <a:fld id="{04E1D7F8-8932-4BC2-BD95-8C6DEC1212D9}" type="datetimeFigureOut">
               <a:rPr lang="en-US" smtClean="0"/>
-              <a:t>11/26/2022</a:t>
+              <a:t>12/26/2022</a:t>
             </a:fld>
             <a:endParaRPr lang="en-US"/>
           </a:p>
@@ -3110,7 +3114,7 @@
           <a:p>
             <a:fld id="{04E1D7F8-8932-4BC2-BD95-8C6DEC1212D9}" type="datetimeFigureOut">
               <a:rPr lang="en-US" smtClean="0"/>
-              <a:t>11/26/2022</a:t>
+              <a:t>12/26/2022</a:t>
             </a:fld>
             <a:endParaRPr lang="en-US"/>
           </a:p>
@@ -3351,7 +3355,7 @@
           <a:p>
             <a:fld id="{04E1D7F8-8932-4BC2-BD95-8C6DEC1212D9}" type="datetimeFigureOut">
               <a:rPr lang="en-US" smtClean="0"/>
-              <a:t>11/26/2022</a:t>
+              <a:t>12/26/2022</a:t>
             </a:fld>
             <a:endParaRPr lang="en-US"/>
           </a:p>
@@ -3883,6 +3887,264 @@
 </p:sld>
 </file>
 
+<file path=ppt/slides/slide10.xml><?xml version="1.0" encoding="utf-8"?>
+<p:sld xmlns:a="http://schemas.openxmlformats.org/drawingml/2006/main" xmlns:r="http://schemas.openxmlformats.org/officeDocument/2006/relationships" xmlns:p="http://schemas.openxmlformats.org/presentationml/2006/main">
+  <p:cSld>
+    <p:spTree>
+      <p:nvGrpSpPr>
+        <p:cNvPr id="1" name=""/>
+        <p:cNvGrpSpPr/>
+        <p:nvPr/>
+      </p:nvGrpSpPr>
+      <p:grpSpPr>
+        <a:xfrm>
+          <a:off x="0" y="0"/>
+          <a:ext cx="0" cy="0"/>
+          <a:chOff x="0" y="0"/>
+          <a:chExt cx="0" cy="0"/>
+        </a:xfrm>
+      </p:grpSpPr>
+      <p:sp>
+        <p:nvSpPr>
+          <p:cNvPr id="2" name="Title 1">
+            <a:extLst>
+              <a:ext uri="{FF2B5EF4-FFF2-40B4-BE49-F238E27FC236}">
+                <a16:creationId xmlns:a16="http://schemas.microsoft.com/office/drawing/2014/main" id="{BF7ABED0-8128-E98D-308F-DDD6F382BCBF}"/>
+              </a:ext>
+            </a:extLst>
+          </p:cNvPr>
+          <p:cNvSpPr>
+            <a:spLocks noGrp="1"/>
+          </p:cNvSpPr>
+          <p:nvPr>
+            <p:ph type="title"/>
+          </p:nvPr>
+        </p:nvSpPr>
+        <p:spPr/>
+        <p:txBody>
+          <a:bodyPr/>
+          <a:lstStyle/>
+          <a:p>
+            <a:r>
+              <a:rPr lang="en-US" dirty="0"/>
+              <a:t>Cont.</a:t>
+            </a:r>
+          </a:p>
+        </p:txBody>
+      </p:sp>
+      <p:sp>
+        <p:nvSpPr>
+          <p:cNvPr id="3" name="Content Placeholder 2">
+            <a:extLst>
+              <a:ext uri="{FF2B5EF4-FFF2-40B4-BE49-F238E27FC236}">
+                <a16:creationId xmlns:a16="http://schemas.microsoft.com/office/drawing/2014/main" id="{46E93EF9-A944-91AD-3FF3-CEAC1D1598C6}"/>
+              </a:ext>
+            </a:extLst>
+          </p:cNvPr>
+          <p:cNvSpPr>
+            <a:spLocks noGrp="1"/>
+          </p:cNvSpPr>
+          <p:nvPr>
+            <p:ph idx="1"/>
+          </p:nvPr>
+        </p:nvSpPr>
+        <p:spPr/>
+        <p:txBody>
+          <a:bodyPr/>
+          <a:lstStyle/>
+          <a:p>
+            <a:r>
+              <a:rPr lang="en-US" b="1" dirty="0"/>
+              <a:t>7. </a:t>
+            </a:r>
+            <a:r>
+              <a:rPr lang="en-US" sz="1900" b="1" dirty="0"/>
+              <a:t>Faster Release Rate</a:t>
+            </a:r>
+          </a:p>
+          <a:p>
+            <a:r>
+              <a:rPr lang="en-US" sz="1900" dirty="0"/>
+              <a:t>Failures are detected faster and as such, can be repaired faster, leading to increasing release rates. However, frequent releases are possible only if the code is developed in a continuously moving system. </a:t>
+            </a:r>
+          </a:p>
+          <a:p>
+            <a:r>
+              <a:rPr lang="en-US" b="1" dirty="0"/>
+              <a:t>8. </a:t>
+            </a:r>
+            <a:r>
+              <a:rPr lang="en-US" sz="1900" b="1" dirty="0"/>
+              <a:t>Smaller</a:t>
+            </a:r>
+            <a:r>
+              <a:rPr lang="en-US" b="1" dirty="0"/>
+              <a:t> </a:t>
+            </a:r>
+            <a:r>
+              <a:rPr lang="en-US" sz="1900" b="1" dirty="0"/>
+              <a:t>Backlog</a:t>
+            </a:r>
+          </a:p>
+          <a:p>
+            <a:r>
+              <a:rPr lang="en-US" sz="1900" dirty="0"/>
+              <a:t>Incorporating</a:t>
+            </a:r>
+            <a:r>
+              <a:rPr lang="en-US" b="0" dirty="0">
+                <a:effectLst/>
+              </a:rPr>
+              <a:t> </a:t>
+            </a:r>
+            <a:r>
+              <a:rPr lang="en-US" sz="1900" dirty="0"/>
+              <a:t>CI/CD into your organization’s development process reduces the number of non-critical defects in your backlog. These small defects are detected prior to production and fixed before being released to end-users. </a:t>
+            </a:r>
+          </a:p>
+          <a:p>
+            <a:endParaRPr lang="en-US" dirty="0"/>
+          </a:p>
+          <a:p>
+            <a:endParaRPr lang="en-US" dirty="0"/>
+          </a:p>
+        </p:txBody>
+      </p:sp>
+    </p:spTree>
+    <p:extLst>
+      <p:ext uri="{BB962C8B-B14F-4D97-AF65-F5344CB8AC3E}">
+        <p14:creationId xmlns:p14="http://schemas.microsoft.com/office/powerpoint/2010/main" val="1363722399"/>
+      </p:ext>
+    </p:extLst>
+  </p:cSld>
+  <p:clrMapOvr>
+    <a:masterClrMapping/>
+  </p:clrMapOvr>
+</p:sld>
+</file>
+
+<file path=ppt/slides/slide11.xml><?xml version="1.0" encoding="utf-8"?>
+<p:sld xmlns:a="http://schemas.openxmlformats.org/drawingml/2006/main" xmlns:r="http://schemas.openxmlformats.org/officeDocument/2006/relationships" xmlns:p="http://schemas.openxmlformats.org/presentationml/2006/main">
+  <p:cSld>
+    <p:spTree>
+      <p:nvGrpSpPr>
+        <p:cNvPr id="1" name=""/>
+        <p:cNvGrpSpPr/>
+        <p:nvPr/>
+      </p:nvGrpSpPr>
+      <p:grpSpPr>
+        <a:xfrm>
+          <a:off x="0" y="0"/>
+          <a:ext cx="0" cy="0"/>
+          <a:chOff x="0" y="0"/>
+          <a:chExt cx="0" cy="0"/>
+        </a:xfrm>
+      </p:grpSpPr>
+      <p:sp>
+        <p:nvSpPr>
+          <p:cNvPr id="2" name="Title 1">
+            <a:extLst>
+              <a:ext uri="{FF2B5EF4-FFF2-40B4-BE49-F238E27FC236}">
+                <a16:creationId xmlns:a16="http://schemas.microsoft.com/office/drawing/2014/main" id="{27AF0597-F27C-D260-4261-38E5663DB7E1}"/>
+              </a:ext>
+            </a:extLst>
+          </p:cNvPr>
+          <p:cNvSpPr>
+            <a:spLocks noGrp="1"/>
+          </p:cNvSpPr>
+          <p:nvPr>
+            <p:ph type="title"/>
+          </p:nvPr>
+        </p:nvSpPr>
+        <p:spPr/>
+        <p:txBody>
+          <a:bodyPr/>
+          <a:lstStyle/>
+          <a:p>
+            <a:r>
+              <a:rPr lang="en-US" dirty="0"/>
+              <a:t>Cont.</a:t>
+            </a:r>
+          </a:p>
+        </p:txBody>
+      </p:sp>
+      <p:sp>
+        <p:nvSpPr>
+          <p:cNvPr id="3" name="Content Placeholder 2">
+            <a:extLst>
+              <a:ext uri="{FF2B5EF4-FFF2-40B4-BE49-F238E27FC236}">
+                <a16:creationId xmlns:a16="http://schemas.microsoft.com/office/drawing/2014/main" id="{73DF6843-DDE2-482C-D085-CC8DD4B65D62}"/>
+              </a:ext>
+            </a:extLst>
+          </p:cNvPr>
+          <p:cNvSpPr>
+            <a:spLocks noGrp="1"/>
+          </p:cNvSpPr>
+          <p:nvPr>
+            <p:ph idx="1"/>
+          </p:nvPr>
+        </p:nvSpPr>
+        <p:spPr/>
+        <p:txBody>
+          <a:bodyPr>
+            <a:normAutofit/>
+          </a:bodyPr>
+          <a:lstStyle/>
+          <a:p>
+            <a:r>
+              <a:rPr lang="en-US" b="1" dirty="0"/>
+              <a:t>9. </a:t>
+            </a:r>
+            <a:r>
+              <a:rPr lang="en-US" sz="2100" b="1" dirty="0"/>
+              <a:t>Faster Mean Time To Resolution (MTTR) </a:t>
+            </a:r>
+          </a:p>
+          <a:p>
+            <a:r>
+              <a:rPr lang="en-US" sz="2100" dirty="0"/>
+              <a:t>MTTR measures the maintainability of repairable features and sets the average time to repair a broken feature. Basically, it helps you track the amount of time spent to recover from a failure. </a:t>
+            </a:r>
+          </a:p>
+          <a:p>
+            <a:r>
+              <a:rPr lang="en-US" b="1" dirty="0"/>
+              <a:t>10. </a:t>
+            </a:r>
+            <a:r>
+              <a:rPr lang="en-US" sz="2100" b="1" dirty="0"/>
+              <a:t>More Test Reliability</a:t>
+            </a:r>
+          </a:p>
+          <a:p>
+            <a:pPr>
+              <a:lnSpc>
+                <a:spcPct val="100000"/>
+              </a:lnSpc>
+            </a:pPr>
+            <a:r>
+              <a:rPr lang="en-US" sz="2100" dirty="0"/>
+              <a:t>Using CI/CD, test reliability improves due to the bite-size and specific changes introduced to the system, allowing for more accurate positive and negative tests to be conducted. Test reliability within CI/CD can also be considered Continuous Reliability. With the continuous merging and releasing of new products and features, knowing that quality was top of mind throughout the entire process assures stakeholders their investment is worthwhile. </a:t>
+            </a:r>
+          </a:p>
+          <a:p>
+            <a:endParaRPr lang="en-US" dirty="0"/>
+          </a:p>
+        </p:txBody>
+      </p:sp>
+    </p:spTree>
+    <p:extLst>
+      <p:ext uri="{BB962C8B-B14F-4D97-AF65-F5344CB8AC3E}">
+        <p14:creationId xmlns:p14="http://schemas.microsoft.com/office/powerpoint/2010/main" val="3141281971"/>
+      </p:ext>
+    </p:extLst>
+  </p:cSld>
+  <p:clrMapOvr>
+    <a:masterClrMapping/>
+  </p:clrMapOvr>
+</p:sld>
+</file>
+
 <file path=ppt/slides/slide2.xml><?xml version="1.0" encoding="utf-8"?>
 <p:sld xmlns:a="http://schemas.openxmlformats.org/drawingml/2006/main" xmlns:r="http://schemas.openxmlformats.org/officeDocument/2006/relationships" xmlns:p="http://schemas.openxmlformats.org/presentationml/2006/main">
   <p:cSld>
@@ -4434,47 +4696,65 @@
         </p:nvSpPr>
         <p:spPr/>
         <p:txBody>
-          <a:bodyPr/>
+          <a:bodyPr>
+            <a:normAutofit fontScale="62500" lnSpcReduction="20000"/>
+          </a:bodyPr>
           <a:lstStyle/>
           <a:p>
             <a:r>
               <a:rPr lang="en-US" b="1" dirty="0"/>
-              <a:t>1. Reduce risk</a:t>
-            </a:r>
+              <a:t>1. Smaller Code Changes</a:t>
+            </a:r>
+          </a:p>
+          <a:p>
+            <a:r>
+              <a:rPr lang="en-US" b="0" dirty="0">
+                <a:effectLst/>
+              </a:rPr>
+              <a:t>One technical advantage of continuous integration and continuous delivery is that it allows you to integrate small pieces of code at one time. These code changes are simpler and easier to handle than huge chunks of code and as such, have fewer issues that may need to be repaired at a later date. </a:t>
+            </a:r>
+            <a:endParaRPr lang="en-US" dirty="0"/>
+          </a:p>
+          <a:p>
+            <a:r>
+              <a:rPr lang="en-US" b="0" dirty="0">
+                <a:effectLst/>
+              </a:rPr>
+              <a:t>Using continuous testing, these small pieces can be tested as soon as they are integrated into the code repository, allowing developers to recognize a problem before too much work is completed afterward. This works really well for large development teams who work remotely as well as those in-house as communication between team members can be challenging. </a:t>
+            </a:r>
+            <a:endParaRPr lang="en-US" dirty="0"/>
           </a:p>
           <a:p>
             <a:r>
               <a:rPr lang="en-US" b="1" dirty="0"/>
-              <a:t>2. Deliver faster</a:t>
-            </a:r>
-          </a:p>
-          <a:p>
-            <a:r>
-              <a:rPr lang="en-US" b="1" dirty="0"/>
-              <a:t>3. Expend less manual effort</a:t>
-            </a:r>
-          </a:p>
-          <a:p>
-            <a:r>
-              <a:rPr lang="en-US" b="1" dirty="0"/>
-              <a:t>4. Generate extensive logs</a:t>
-            </a:r>
-          </a:p>
-          <a:p>
-            <a:r>
-              <a:rPr lang="en-US" b="1" dirty="0"/>
-              <a:t>5. </a:t>
-            </a:r>
-            <a:r>
-              <a:rPr lang="en-US" b="1"/>
-              <a:t>Make easier rollbacks</a:t>
-            </a:r>
-          </a:p>
-          <a:p>
-            <a:pPr marL="0" indent="0">
+              <a:t>2. Fault Isolations</a:t>
+            </a:r>
+          </a:p>
+          <a:p>
+            <a:r>
+              <a:rPr lang="en-US" b="0" dirty="0">
+                <a:effectLst/>
+              </a:rPr>
+              <a:t>Fault isolation refers to the practice of designing systems such that when an error occurs, the negative outcomes are limited in scope. Limiting the scope of problems reduces the potential for damage and makes systems easier to maintain.</a:t>
+            </a:r>
+            <a:endParaRPr lang="en-US" dirty="0"/>
+          </a:p>
+          <a:p>
+            <a:r>
+              <a:rPr lang="en-US" b="0" dirty="0">
+                <a:effectLst/>
+              </a:rPr>
+              <a:t>Designing your system with CI/CD ensures that fault isolations are faster to detect and easier to implement. Fault isolations combine monitoring the system, identifying when the fault occurred, and triggering its location. Thus, the consequences of bugs appearing in the application are limited in scope. Sudden breakdowns and other critical issues can be prevented from occurring with the ability to isolate the problem before it can cause damage to the entire system. </a:t>
+            </a:r>
+            <a:endParaRPr lang="en-US" dirty="0"/>
+          </a:p>
+          <a:p>
+            <a:pPr marL="457200" lvl="1" indent="0">
               <a:buNone/>
             </a:pPr>
-            <a:endParaRPr lang="en-US"/>
+            <a:endParaRPr lang="en-US" b="0" dirty="0">
+              <a:effectLst/>
+            </a:endParaRPr>
           </a:p>
         </p:txBody>
       </p:sp>
@@ -4482,6 +4762,238 @@
     <p:extLst>
       <p:ext uri="{BB962C8B-B14F-4D97-AF65-F5344CB8AC3E}">
         <p14:creationId xmlns:p14="http://schemas.microsoft.com/office/powerpoint/2010/main" val="2707125414"/>
+      </p:ext>
+    </p:extLst>
+  </p:cSld>
+  <p:clrMapOvr>
+    <a:masterClrMapping/>
+  </p:clrMapOvr>
+</p:sld>
+</file>
+
+<file path=ppt/slides/slide8.xml><?xml version="1.0" encoding="utf-8"?>
+<p:sld xmlns:a="http://schemas.openxmlformats.org/drawingml/2006/main" xmlns:r="http://schemas.openxmlformats.org/officeDocument/2006/relationships" xmlns:p="http://schemas.openxmlformats.org/presentationml/2006/main">
+  <p:cSld>
+    <p:spTree>
+      <p:nvGrpSpPr>
+        <p:cNvPr id="1" name=""/>
+        <p:cNvGrpSpPr/>
+        <p:nvPr/>
+      </p:nvGrpSpPr>
+      <p:grpSpPr>
+        <a:xfrm>
+          <a:off x="0" y="0"/>
+          <a:ext cx="0" cy="0"/>
+          <a:chOff x="0" y="0"/>
+          <a:chExt cx="0" cy="0"/>
+        </a:xfrm>
+      </p:grpSpPr>
+      <p:sp>
+        <p:nvSpPr>
+          <p:cNvPr id="2" name="Title 1">
+            <a:extLst>
+              <a:ext uri="{FF2B5EF4-FFF2-40B4-BE49-F238E27FC236}">
+                <a16:creationId xmlns:a16="http://schemas.microsoft.com/office/drawing/2014/main" id="{076672CA-92CA-62F1-D997-608D3D4B1BE1}"/>
+              </a:ext>
+            </a:extLst>
+          </p:cNvPr>
+          <p:cNvSpPr>
+            <a:spLocks noGrp="1"/>
+          </p:cNvSpPr>
+          <p:nvPr>
+            <p:ph type="title"/>
+          </p:nvPr>
+        </p:nvSpPr>
+        <p:spPr/>
+        <p:txBody>
+          <a:bodyPr/>
+          <a:lstStyle/>
+          <a:p>
+            <a:r>
+              <a:rPr lang="en-US" dirty="0"/>
+              <a:t>Cont.</a:t>
+            </a:r>
+          </a:p>
+        </p:txBody>
+      </p:sp>
+      <p:sp>
+        <p:nvSpPr>
+          <p:cNvPr id="3" name="Content Placeholder 2">
+            <a:extLst>
+              <a:ext uri="{FF2B5EF4-FFF2-40B4-BE49-F238E27FC236}">
+                <a16:creationId xmlns:a16="http://schemas.microsoft.com/office/drawing/2014/main" id="{AB960BE3-CC5E-E2A6-B6A9-C3111AE143D6}"/>
+              </a:ext>
+            </a:extLst>
+          </p:cNvPr>
+          <p:cNvSpPr>
+            <a:spLocks noGrp="1"/>
+          </p:cNvSpPr>
+          <p:nvPr>
+            <p:ph idx="1"/>
+          </p:nvPr>
+        </p:nvSpPr>
+        <p:spPr/>
+        <p:txBody>
+          <a:bodyPr>
+            <a:normAutofit/>
+          </a:bodyPr>
+          <a:lstStyle/>
+          <a:p>
+            <a:r>
+              <a:rPr lang="en-US" b="1" dirty="0"/>
+              <a:t>3</a:t>
+            </a:r>
+            <a:r>
+              <a:rPr lang="en-US" sz="1900" b="1" dirty="0"/>
+              <a:t>. Reduce Costs</a:t>
+            </a:r>
+          </a:p>
+          <a:p>
+            <a:r>
+              <a:rPr lang="en-US" sz="1900" dirty="0"/>
+              <a:t>Automation in the CI/CD pipeline reduces the number of errors that can take place in the many repetitive steps of CI and CD. Doing so also frees up developer time that could be spent on product development as there aren’t as many code changes to fix down the road if the error is caught quickly. Another thing to keep in mind: increasing code quality with automation also increases your ROI. </a:t>
+            </a:r>
+          </a:p>
+          <a:p>
+            <a:r>
+              <a:rPr lang="en-US" b="1" dirty="0"/>
+              <a:t>4. </a:t>
+            </a:r>
+            <a:r>
+              <a:rPr lang="en-US" sz="1900" b="1" dirty="0"/>
+              <a:t>Easy Maintenance and Updates</a:t>
+            </a:r>
+          </a:p>
+          <a:p>
+            <a:r>
+              <a:rPr lang="en-US" sz="1900" dirty="0"/>
+              <a:t>Maintenance and updates are a crucial part of making a great product. However, it’s important to note within a CI/CD process to perform maintenance during downtime periods, also known as the non-critical hour. Don’t take the system down during peak traffic times to update code changes. </a:t>
+            </a:r>
+          </a:p>
+          <a:p>
+            <a:endParaRPr lang="en-US" dirty="0"/>
+          </a:p>
+        </p:txBody>
+      </p:sp>
+    </p:spTree>
+    <p:extLst>
+      <p:ext uri="{BB962C8B-B14F-4D97-AF65-F5344CB8AC3E}">
+        <p14:creationId xmlns:p14="http://schemas.microsoft.com/office/powerpoint/2010/main" val="1443694653"/>
+      </p:ext>
+    </p:extLst>
+  </p:cSld>
+  <p:clrMapOvr>
+    <a:masterClrMapping/>
+  </p:clrMapOvr>
+</p:sld>
+</file>
+
+<file path=ppt/slides/slide9.xml><?xml version="1.0" encoding="utf-8"?>
+<p:sld xmlns:a="http://schemas.openxmlformats.org/drawingml/2006/main" xmlns:r="http://schemas.openxmlformats.org/officeDocument/2006/relationships" xmlns:p="http://schemas.openxmlformats.org/presentationml/2006/main">
+  <p:cSld>
+    <p:spTree>
+      <p:nvGrpSpPr>
+        <p:cNvPr id="1" name=""/>
+        <p:cNvGrpSpPr/>
+        <p:nvPr/>
+      </p:nvGrpSpPr>
+      <p:grpSpPr>
+        <a:xfrm>
+          <a:off x="0" y="0"/>
+          <a:ext cx="0" cy="0"/>
+          <a:chOff x="0" y="0"/>
+          <a:chExt cx="0" cy="0"/>
+        </a:xfrm>
+      </p:grpSpPr>
+      <p:sp>
+        <p:nvSpPr>
+          <p:cNvPr id="2" name="Title 1">
+            <a:extLst>
+              <a:ext uri="{FF2B5EF4-FFF2-40B4-BE49-F238E27FC236}">
+                <a16:creationId xmlns:a16="http://schemas.microsoft.com/office/drawing/2014/main" id="{D774A1FA-C6FF-15BD-FF3A-C2EE5C9E8A22}"/>
+              </a:ext>
+            </a:extLst>
+          </p:cNvPr>
+          <p:cNvSpPr>
+            <a:spLocks noGrp="1"/>
+          </p:cNvSpPr>
+          <p:nvPr>
+            <p:ph type="title"/>
+          </p:nvPr>
+        </p:nvSpPr>
+        <p:spPr/>
+        <p:txBody>
+          <a:bodyPr/>
+          <a:lstStyle/>
+          <a:p>
+            <a:r>
+              <a:rPr lang="en-US" dirty="0"/>
+              <a:t>Cont.</a:t>
+            </a:r>
+          </a:p>
+        </p:txBody>
+      </p:sp>
+      <p:sp>
+        <p:nvSpPr>
+          <p:cNvPr id="3" name="Content Placeholder 2">
+            <a:extLst>
+              <a:ext uri="{FF2B5EF4-FFF2-40B4-BE49-F238E27FC236}">
+                <a16:creationId xmlns:a16="http://schemas.microsoft.com/office/drawing/2014/main" id="{55F3C7AC-5B61-EA5C-9E1D-E03A62D583B1}"/>
+              </a:ext>
+            </a:extLst>
+          </p:cNvPr>
+          <p:cNvSpPr>
+            <a:spLocks noGrp="1"/>
+          </p:cNvSpPr>
+          <p:nvPr>
+            <p:ph idx="1"/>
+          </p:nvPr>
+        </p:nvSpPr>
+        <p:spPr/>
+        <p:txBody>
+          <a:bodyPr/>
+          <a:lstStyle/>
+          <a:p>
+            <a:r>
+              <a:rPr lang="en-US" b="1" dirty="0"/>
+              <a:t>5. </a:t>
+            </a:r>
+            <a:r>
+              <a:rPr lang="en-US" sz="1900" b="1" dirty="0"/>
+              <a:t>Customer Satisfaction</a:t>
+            </a:r>
+          </a:p>
+          <a:p>
+            <a:r>
+              <a:rPr lang="en-US" sz="1900" dirty="0"/>
+              <a:t>The advantages of CI/CD do not only fall into the technical aspect but also in an organization scope. The first few moments of a new customer trying out your product is a make-or-break-it moment. </a:t>
+            </a:r>
+          </a:p>
+          <a:p>
+            <a:r>
+              <a:rPr lang="en-US" b="1" dirty="0"/>
+              <a:t>6. </a:t>
+            </a:r>
+            <a:r>
+              <a:rPr lang="en-US" sz="1900" b="1" dirty="0"/>
+              <a:t>Increase Team Transparency and Accountability</a:t>
+            </a:r>
+          </a:p>
+          <a:p>
+            <a:r>
+              <a:rPr lang="en-US" sz="1900" dirty="0"/>
+              <a:t>CI/CD is a great way to get continuous feedback not only from your customers but also from your own team. This increases the transparency of any problems in the team and encourages responsible accountability. </a:t>
+            </a:r>
+          </a:p>
+          <a:p>
+            <a:endParaRPr lang="en-US" dirty="0"/>
+          </a:p>
+        </p:txBody>
+      </p:sp>
+    </p:spTree>
+    <p:extLst>
+      <p:ext uri="{BB962C8B-B14F-4D97-AF65-F5344CB8AC3E}">
+        <p14:creationId xmlns:p14="http://schemas.microsoft.com/office/powerpoint/2010/main" val="3781850912"/>
       </p:ext>
     </p:extLst>
   </p:cSld>
